--- a/研究資料.pptx
+++ b/研究資料.pptx
@@ -7,10 +7,11 @@
   <p:sldIdLst>
     <p:sldId id="257" r:id="rId2"/>
     <p:sldId id="262" r:id="rId3"/>
-    <p:sldId id="261" r:id="rId4"/>
-    <p:sldId id="263" r:id="rId5"/>
-    <p:sldId id="259" r:id="rId6"/>
-    <p:sldId id="260" r:id="rId7"/>
+    <p:sldId id="264" r:id="rId4"/>
+    <p:sldId id="261" r:id="rId5"/>
+    <p:sldId id="263" r:id="rId6"/>
+    <p:sldId id="259" r:id="rId7"/>
+    <p:sldId id="260" r:id="rId8"/>
   </p:sldIdLst>
   <p:sldSz cx="12192000" cy="6858000"/>
   <p:notesSz cx="6858000" cy="9144000"/>
@@ -264,7 +265,7 @@
           <a:p>
             <a:fld id="{9A34D087-0AE3-49F0-9419-B7461A53D2C5}" type="datetimeFigureOut">
               <a:rPr kumimoji="1" lang="ja-JP" altLang="en-US" smtClean="0"/>
-              <a:t>2023/7/31</a:t>
+              <a:t>2023/8/16</a:t>
             </a:fld>
             <a:endParaRPr kumimoji="1" lang="ja-JP" altLang="en-US"/>
           </a:p>
@@ -494,7 +495,7 @@
           <a:p>
             <a:fld id="{9A34D087-0AE3-49F0-9419-B7461A53D2C5}" type="datetimeFigureOut">
               <a:rPr kumimoji="1" lang="ja-JP" altLang="en-US" smtClean="0"/>
-              <a:t>2023/7/31</a:t>
+              <a:t>2023/8/16</a:t>
             </a:fld>
             <a:endParaRPr kumimoji="1" lang="ja-JP" altLang="en-US"/>
           </a:p>
@@ -734,7 +735,7 @@
           <a:p>
             <a:fld id="{9A34D087-0AE3-49F0-9419-B7461A53D2C5}" type="datetimeFigureOut">
               <a:rPr kumimoji="1" lang="ja-JP" altLang="en-US" smtClean="0"/>
-              <a:t>2023/7/31</a:t>
+              <a:t>2023/8/16</a:t>
             </a:fld>
             <a:endParaRPr kumimoji="1" lang="ja-JP" altLang="en-US"/>
           </a:p>
@@ -964,7 +965,7 @@
           <a:p>
             <a:fld id="{9A34D087-0AE3-49F0-9419-B7461A53D2C5}" type="datetimeFigureOut">
               <a:rPr kumimoji="1" lang="ja-JP" altLang="en-US" smtClean="0"/>
-              <a:t>2023/7/31</a:t>
+              <a:t>2023/8/16</a:t>
             </a:fld>
             <a:endParaRPr kumimoji="1" lang="ja-JP" altLang="en-US"/>
           </a:p>
@@ -1239,7 +1240,7 @@
           <a:p>
             <a:fld id="{9A34D087-0AE3-49F0-9419-B7461A53D2C5}" type="datetimeFigureOut">
               <a:rPr kumimoji="1" lang="ja-JP" altLang="en-US" smtClean="0"/>
-              <a:t>2023/7/31</a:t>
+              <a:t>2023/8/16</a:t>
             </a:fld>
             <a:endParaRPr kumimoji="1" lang="ja-JP" altLang="en-US"/>
           </a:p>
@@ -1568,7 +1569,7 @@
           <a:p>
             <a:fld id="{9A34D087-0AE3-49F0-9419-B7461A53D2C5}" type="datetimeFigureOut">
               <a:rPr kumimoji="1" lang="ja-JP" altLang="en-US" smtClean="0"/>
-              <a:t>2023/7/31</a:t>
+              <a:t>2023/8/16</a:t>
             </a:fld>
             <a:endParaRPr kumimoji="1" lang="ja-JP" altLang="en-US"/>
           </a:p>
@@ -2044,7 +2045,7 @@
           <a:p>
             <a:fld id="{9A34D087-0AE3-49F0-9419-B7461A53D2C5}" type="datetimeFigureOut">
               <a:rPr kumimoji="1" lang="ja-JP" altLang="en-US" smtClean="0"/>
-              <a:t>2023/7/31</a:t>
+              <a:t>2023/8/16</a:t>
             </a:fld>
             <a:endParaRPr kumimoji="1" lang="ja-JP" altLang="en-US"/>
           </a:p>
@@ -2185,7 +2186,7 @@
           <a:p>
             <a:fld id="{9A34D087-0AE3-49F0-9419-B7461A53D2C5}" type="datetimeFigureOut">
               <a:rPr kumimoji="1" lang="ja-JP" altLang="en-US" smtClean="0"/>
-              <a:t>2023/7/31</a:t>
+              <a:t>2023/8/16</a:t>
             </a:fld>
             <a:endParaRPr kumimoji="1" lang="ja-JP" altLang="en-US"/>
           </a:p>
@@ -2298,7 +2299,7 @@
           <a:p>
             <a:fld id="{9A34D087-0AE3-49F0-9419-B7461A53D2C5}" type="datetimeFigureOut">
               <a:rPr kumimoji="1" lang="ja-JP" altLang="en-US" smtClean="0"/>
-              <a:t>2023/7/31</a:t>
+              <a:t>2023/8/16</a:t>
             </a:fld>
             <a:endParaRPr kumimoji="1" lang="ja-JP" altLang="en-US"/>
           </a:p>
@@ -2641,7 +2642,7 @@
           <a:p>
             <a:fld id="{9A34D087-0AE3-49F0-9419-B7461A53D2C5}" type="datetimeFigureOut">
               <a:rPr kumimoji="1" lang="ja-JP" altLang="en-US" smtClean="0"/>
-              <a:t>2023/7/31</a:t>
+              <a:t>2023/8/16</a:t>
             </a:fld>
             <a:endParaRPr kumimoji="1" lang="ja-JP" altLang="en-US"/>
           </a:p>
@@ -2929,7 +2930,7 @@
           <a:p>
             <a:fld id="{9A34D087-0AE3-49F0-9419-B7461A53D2C5}" type="datetimeFigureOut">
               <a:rPr kumimoji="1" lang="ja-JP" altLang="en-US" smtClean="0"/>
-              <a:t>2023/7/31</a:t>
+              <a:t>2023/8/16</a:t>
             </a:fld>
             <a:endParaRPr kumimoji="1" lang="ja-JP" altLang="en-US"/>
           </a:p>
@@ -3202,7 +3203,7 @@
           <a:p>
             <a:fld id="{9A34D087-0AE3-49F0-9419-B7461A53D2C5}" type="datetimeFigureOut">
               <a:rPr kumimoji="1" lang="ja-JP" altLang="en-US" smtClean="0"/>
-              <a:t>2023/7/31</a:t>
+              <a:t>2023/8/16</a:t>
             </a:fld>
             <a:endParaRPr kumimoji="1" lang="ja-JP" altLang="en-US"/>
           </a:p>
@@ -3695,10 +3696,9 @@
           <a:lstStyle/>
           <a:p>
             <a:r>
-              <a:rPr kumimoji="1" lang="en-US" altLang="ja-JP"/>
-              <a:t>2023/07/28</a:t>
-            </a:r>
-            <a:endParaRPr kumimoji="1" lang="en-US" altLang="ja-JP" dirty="0"/>
+              <a:rPr kumimoji="1" lang="en-US" altLang="ja-JP" dirty="0"/>
+              <a:t>2023/08/22</a:t>
+            </a:r>
           </a:p>
           <a:p>
             <a:endParaRPr kumimoji="1" lang="ja-JP" altLang="en-US" dirty="0"/>
@@ -4278,6 +4278,143 @@
           <p:cNvPr id="2" name="タイトル 1">
             <a:extLst>
               <a:ext uri="{FF2B5EF4-FFF2-40B4-BE49-F238E27FC236}">
+                <a16:creationId xmlns:a16="http://schemas.microsoft.com/office/drawing/2014/main" id="{0D9169BD-7F88-27CF-7349-36670D20C226}"/>
+              </a:ext>
+            </a:extLst>
+          </p:cNvPr>
+          <p:cNvSpPr>
+            <a:spLocks noGrp="1"/>
+          </p:cNvSpPr>
+          <p:nvPr>
+            <p:ph type="title"/>
+          </p:nvPr>
+        </p:nvSpPr>
+        <p:spPr/>
+        <p:txBody>
+          <a:bodyPr/>
+          <a:lstStyle/>
+          <a:p>
+            <a:pPr algn="ctr"/>
+            <a:r>
+              <a:rPr kumimoji="1" lang="ja-JP" altLang="en-US" b="1" dirty="0"/>
+              <a:t>背景</a:t>
+            </a:r>
+            <a:br>
+              <a:rPr kumimoji="1" lang="en-US" altLang="ja-JP" b="1" dirty="0"/>
+            </a:br>
+            <a:r>
+              <a:rPr kumimoji="1" lang="ja-JP" altLang="en-US" dirty="0"/>
+              <a:t>研究について</a:t>
+            </a:r>
+          </a:p>
+        </p:txBody>
+      </p:sp>
+      <p:sp>
+        <p:nvSpPr>
+          <p:cNvPr id="3" name="コンテンツ プレースホルダー 2">
+            <a:extLst>
+              <a:ext uri="{FF2B5EF4-FFF2-40B4-BE49-F238E27FC236}">
+                <a16:creationId xmlns:a16="http://schemas.microsoft.com/office/drawing/2014/main" id="{2B9EE744-19FD-1D2E-8D00-75618E470D87}"/>
+              </a:ext>
+            </a:extLst>
+          </p:cNvPr>
+          <p:cNvSpPr>
+            <a:spLocks noGrp="1"/>
+          </p:cNvSpPr>
+          <p:nvPr>
+            <p:ph idx="1"/>
+          </p:nvPr>
+        </p:nvSpPr>
+        <p:spPr/>
+        <p:txBody>
+          <a:bodyPr/>
+          <a:lstStyle/>
+          <a:p>
+            <a:pPr marL="0" indent="0">
+              <a:buNone/>
+            </a:pPr>
+            <a:r>
+              <a:rPr kumimoji="1" lang="ja-JP" altLang="en-US" dirty="0"/>
+              <a:t>この研究を始めた背景：私自身プログラミングの授業で教師に質問することが多く、質問するまでの待機時間を削減することができればよいと感じたことから、いつでも問題が解決できるようになれば実用的だと考えるようになり、この研究を始めた。</a:t>
+            </a:r>
+            <a:endParaRPr kumimoji="1" lang="en-US" altLang="ja-JP" dirty="0"/>
+          </a:p>
+          <a:p>
+            <a:pPr marL="0" indent="0">
+              <a:buNone/>
+            </a:pPr>
+            <a:endParaRPr lang="en-US" altLang="ja-JP" dirty="0"/>
+          </a:p>
+          <a:p>
+            <a:pPr marL="0" indent="0">
+              <a:buNone/>
+            </a:pPr>
+            <a:r>
+              <a:rPr lang="en-US" altLang="ja-JP" dirty="0"/>
+              <a:t>w</a:t>
+            </a:r>
+            <a:r>
+              <a:rPr kumimoji="1" lang="en-US" altLang="ja-JP" dirty="0"/>
+              <a:t>eb</a:t>
+            </a:r>
+            <a:r>
+              <a:rPr kumimoji="1" lang="ja-JP" altLang="en-US" dirty="0"/>
+              <a:t>サイトを選択した背景：私の技術的にアプリケーションなどの技術を利用できない部分が大きいが、</a:t>
+            </a:r>
+            <a:r>
+              <a:rPr kumimoji="1" lang="en-US" altLang="ja-JP" dirty="0"/>
+              <a:t>web</a:t>
+            </a:r>
+            <a:r>
+              <a:rPr kumimoji="1" lang="ja-JP" altLang="en-US" dirty="0"/>
+              <a:t>サイトにすることでその箇所を補うほか、コードの修正のしやすさや学生が使用する際の利便性を考慮した結果</a:t>
+            </a:r>
+            <a:r>
+              <a:rPr kumimoji="1" lang="en-US" altLang="ja-JP" dirty="0"/>
+              <a:t>web</a:t>
+            </a:r>
+            <a:r>
+              <a:rPr kumimoji="1" lang="ja-JP" altLang="en-US" dirty="0"/>
+              <a:t>サイトとして制作しようと決めた。</a:t>
+            </a:r>
+          </a:p>
+        </p:txBody>
+      </p:sp>
+    </p:spTree>
+    <p:extLst>
+      <p:ext uri="{BB962C8B-B14F-4D97-AF65-F5344CB8AC3E}">
+        <p14:creationId xmlns:p14="http://schemas.microsoft.com/office/powerpoint/2010/main" val="3448693607"/>
+      </p:ext>
+    </p:extLst>
+  </p:cSld>
+  <p:clrMapOvr>
+    <a:masterClrMapping/>
+  </p:clrMapOvr>
+</p:sld>
+</file>
+
+<file path=ppt/slides/slide4.xml><?xml version="1.0" encoding="utf-8"?>
+<p:sld xmlns:a="http://schemas.openxmlformats.org/drawingml/2006/main" xmlns:r="http://schemas.openxmlformats.org/officeDocument/2006/relationships" xmlns:p="http://schemas.openxmlformats.org/presentationml/2006/main">
+  <p:cSld>
+    <p:spTree>
+      <p:nvGrpSpPr>
+        <p:cNvPr id="1" name=""/>
+        <p:cNvGrpSpPr/>
+        <p:nvPr/>
+      </p:nvGrpSpPr>
+      <p:grpSpPr>
+        <a:xfrm>
+          <a:off x="0" y="0"/>
+          <a:ext cx="0" cy="0"/>
+          <a:chOff x="0" y="0"/>
+          <a:chExt cx="0" cy="0"/>
+        </a:xfrm>
+      </p:grpSpPr>
+      <p:sp>
+        <p:nvSpPr>
+          <p:cNvPr id="2" name="タイトル 1">
+            <a:extLst>
+              <a:ext uri="{FF2B5EF4-FFF2-40B4-BE49-F238E27FC236}">
                 <a16:creationId xmlns:a16="http://schemas.microsoft.com/office/drawing/2014/main" id="{7D6A40F9-5A98-FF48-5B51-545262064A7E}"/>
               </a:ext>
             </a:extLst>
@@ -4401,11 +4538,11 @@
             </a:r>
             <a:r>
               <a:rPr kumimoji="1" lang="en-US" altLang="ja-JP" dirty="0"/>
-              <a:t>(</a:t>
+              <a:t>(8</a:t>
             </a:r>
             <a:r>
               <a:rPr lang="en-US" altLang="ja-JP" dirty="0"/>
-              <a:t>7/28</a:t>
+              <a:t>/22</a:t>
             </a:r>
             <a:r>
               <a:rPr lang="ja-JP" altLang="en-US" dirty="0"/>
@@ -4429,7 +4566,7 @@
               <a:rPr lang="ja-JP" altLang="en-US" dirty="0"/>
               <a:t>人</a:t>
             </a:r>
-            <a:endParaRPr kumimoji="1" lang="ja-JP" altLang="en-US" dirty="0"/>
+            <a:endParaRPr lang="en-US" altLang="ja-JP" dirty="0"/>
           </a:p>
         </p:txBody>
       </p:sp>
@@ -4690,7 +4827,7 @@
 </p:sld>
 </file>
 
-<file path=ppt/slides/slide4.xml><?xml version="1.0" encoding="utf-8"?>
+<file path=ppt/slides/slide5.xml><?xml version="1.0" encoding="utf-8"?>
 <p:sld xmlns:a="http://schemas.openxmlformats.org/drawingml/2006/main" xmlns:r="http://schemas.openxmlformats.org/officeDocument/2006/relationships" xmlns:p="http://schemas.openxmlformats.org/presentationml/2006/main">
   <p:cSld>
     <p:spTree>
@@ -5024,7 +5161,7 @@
 </p:sld>
 </file>
 
-<file path=ppt/slides/slide5.xml><?xml version="1.0" encoding="utf-8"?>
+<file path=ppt/slides/slide6.xml><?xml version="1.0" encoding="utf-8"?>
 <p:sld xmlns:a="http://schemas.openxmlformats.org/drawingml/2006/main" xmlns:r="http://schemas.openxmlformats.org/officeDocument/2006/relationships" xmlns:p="http://schemas.openxmlformats.org/presentationml/2006/main">
   <p:cSld>
     <p:spTree>
@@ -5068,7 +5205,7 @@
         </p:blipFill>
         <p:spPr>
           <a:xfrm>
-            <a:off x="213121" y="1839368"/>
+            <a:off x="213121" y="1862369"/>
             <a:ext cx="4117579" cy="4958093"/>
           </a:xfrm>
           <a:prstGeom prst="rect">
@@ -5242,7 +5379,7 @@
 </p:sld>
 </file>
 
-<file path=ppt/slides/slide6.xml><?xml version="1.0" encoding="utf-8"?>
+<file path=ppt/slides/slide7.xml><?xml version="1.0" encoding="utf-8"?>
 <p:sld xmlns:a="http://schemas.openxmlformats.org/drawingml/2006/main" xmlns:r="http://schemas.openxmlformats.org/officeDocument/2006/relationships" xmlns:p="http://schemas.openxmlformats.org/presentationml/2006/main">
   <p:cSld>
     <p:spTree>
@@ -5286,7 +5423,7 @@
             </a:r>
             <a:r>
               <a:rPr kumimoji="1" lang="en-US" altLang="ja-JP" b="1" dirty="0"/>
-              <a:t>(7/28</a:t>
+              <a:t>(8/22</a:t>
             </a:r>
             <a:r>
               <a:rPr kumimoji="1" lang="ja-JP" altLang="en-US" b="1" dirty="0"/>
@@ -5319,26 +5456,22 @@
         <p:spPr>
           <a:xfrm>
             <a:off x="838200" y="1552670"/>
-            <a:ext cx="10515600" cy="4351338"/>
+            <a:ext cx="10653215" cy="4351338"/>
           </a:xfrm>
         </p:spPr>
         <p:txBody>
           <a:bodyPr>
-            <a:normAutofit/>
+            <a:normAutofit lnSpcReduction="10000"/>
           </a:bodyPr>
           <a:lstStyle/>
           <a:p>
-            <a:r>
-              <a:rPr lang="ja-JP" altLang="en-US" dirty="0"/>
-              <a:t>例えば、</a:t>
-            </a:r>
             <a:r>
               <a:rPr lang="en-US" altLang="ja-JP" dirty="0"/>
               <a:t>return</a:t>
             </a:r>
             <a:r>
               <a:rPr lang="ja-JP" altLang="en-US" dirty="0"/>
-              <a:t>文の返り値がないような問題がある場合、返り値が無い旨を伝えるようにする</a:t>
+              <a:t>文の返り値のような教師が学生に忘れてほしくない箇所を指摘したい場合、返り値が無い旨を間違いとして伝えるようにする</a:t>
             </a:r>
             <a:endParaRPr kumimoji="1" lang="en-US" altLang="ja-JP" dirty="0"/>
           </a:p>
@@ -5359,7 +5492,7 @@
             </a:r>
             <a:r>
               <a:rPr lang="ja-JP" altLang="en-US" dirty="0"/>
-              <a:t>行から最後の行まで比較するため箇所が大幅にずれていても正答となってしまう問題の修正</a:t>
+              <a:t>行から最後の行まで比較するため箇所が大幅にずれていても正答となってしまう問題の修正（現時点では差を利用しているため模範解答に存在しない行がある場合それ以降も間違いとなってしまう問題が生じている）</a:t>
             </a:r>
             <a:endParaRPr lang="en-US" altLang="ja-JP" dirty="0"/>
           </a:p>
@@ -5392,6 +5525,51 @@
               <a:t>に近づけながら独自性を創出する</a:t>
             </a:r>
             <a:endParaRPr lang="en-US" altLang="ja-JP" dirty="0"/>
+          </a:p>
+        </p:txBody>
+      </p:sp>
+      <p:sp>
+        <p:nvSpPr>
+          <p:cNvPr id="4" name="テキスト ボックス 3">
+            <a:extLst>
+              <a:ext uri="{FF2B5EF4-FFF2-40B4-BE49-F238E27FC236}">
+                <a16:creationId xmlns:a16="http://schemas.microsoft.com/office/drawing/2014/main" id="{45535ACD-445C-F340-257F-56133738190A}"/>
+              </a:ext>
+            </a:extLst>
+          </p:cNvPr>
+          <p:cNvSpPr txBox="1"/>
+          <p:nvPr/>
+        </p:nvSpPr>
+        <p:spPr>
+          <a:xfrm>
+            <a:off x="7547212" y="6308209"/>
+            <a:ext cx="4521958" cy="646331"/>
+          </a:xfrm>
+          <a:prstGeom prst="rect">
+            <a:avLst/>
+          </a:prstGeom>
+          <a:noFill/>
+        </p:spPr>
+        <p:txBody>
+          <a:bodyPr wrap="square" rtlCol="0">
+            <a:spAutoFit/>
+          </a:bodyPr>
+          <a:lstStyle/>
+          <a:p>
+            <a:r>
+              <a:rPr kumimoji="1" lang="ja-JP" altLang="en-US" dirty="0"/>
+              <a:t>内容：</a:t>
+            </a:r>
+            <a:r>
+              <a:rPr lang="en-US" altLang="ja-JP" dirty="0">
+                <a:hlinkClick r:id="rId2"/>
+              </a:rPr>
+              <a:t>GitHub - jindai203458/Lab2024</a:t>
+            </a:r>
+            <a:endParaRPr kumimoji="1" lang="ja-JP" altLang="en-US" dirty="0"/>
+          </a:p>
+          <a:p>
+            <a:endParaRPr kumimoji="1" lang="ja-JP" altLang="en-US" dirty="0"/>
           </a:p>
         </p:txBody>
       </p:sp>
